--- a/slides/da2021-lecture-12.pptx
+++ b/slides/da2021-lecture-12.pptx
@@ -254,7 +254,7 @@
           <a:p>
             <a:fld id="{24EFFC9C-04E4-E646-9E5F-B16BB383ECF2}" type="datetimeFigureOut">
               <a:rPr lang="en-US" smtClean="0"/>
-              <a:t>12/6/21</a:t>
+              <a:t>12/7/21</a:t>
             </a:fld>
             <a:endParaRPr lang="en-US"/>
           </a:p>
@@ -431,7 +431,7 @@
           <a:p>
             <a:fld id="{71795A92-54D0-5E4B-A08D-97789E42C8EA}" type="datetimeFigureOut">
               <a:rPr lang="en-US" smtClean="0"/>
-              <a:t>12/6/21</a:t>
+              <a:t>12/7/21</a:t>
             </a:fld>
             <a:endParaRPr lang="en-US"/>
           </a:p>
@@ -1101,7 +1101,7 @@
           <a:p>
             <a:fld id="{D1D074E6-BC95-7A40-8145-5D6390B81855}" type="datetimeFigureOut">
               <a:rPr lang="en-US" smtClean="0"/>
-              <a:t>12/6/21</a:t>
+              <a:t>12/7/21</a:t>
             </a:fld>
             <a:endParaRPr lang="en-US"/>
           </a:p>
@@ -1299,7 +1299,7 @@
           <a:p>
             <a:fld id="{D1D074E6-BC95-7A40-8145-5D6390B81855}" type="datetimeFigureOut">
               <a:rPr lang="en-US" smtClean="0"/>
-              <a:t>12/6/21</a:t>
+              <a:t>12/7/21</a:t>
             </a:fld>
             <a:endParaRPr lang="en-US"/>
           </a:p>
@@ -1507,7 +1507,7 @@
           <a:p>
             <a:fld id="{D1D074E6-BC95-7A40-8145-5D6390B81855}" type="datetimeFigureOut">
               <a:rPr lang="en-US" smtClean="0"/>
-              <a:t>12/6/21</a:t>
+              <a:t>12/7/21</a:t>
             </a:fld>
             <a:endParaRPr lang="en-US"/>
           </a:p>
@@ -1689,7 +1689,7 @@
           <a:p>
             <a:fld id="{D1D074E6-BC95-7A40-8145-5D6390B81855}" type="datetimeFigureOut">
               <a:rPr lang="en-US" smtClean="0"/>
-              <a:t>12/6/21</a:t>
+              <a:t>12/7/21</a:t>
             </a:fld>
             <a:endParaRPr lang="en-US"/>
           </a:p>
@@ -1894,7 +1894,7 @@
           <a:p>
             <a:fld id="{D1D074E6-BC95-7A40-8145-5D6390B81855}" type="datetimeFigureOut">
               <a:rPr lang="en-US" smtClean="0"/>
-              <a:t>12/6/21</a:t>
+              <a:t>12/7/21</a:t>
             </a:fld>
             <a:endParaRPr lang="en-US"/>
           </a:p>
@@ -2047,7 +2047,7 @@
           <a:p>
             <a:fld id="{D1D074E6-BC95-7A40-8145-5D6390B81855}" type="datetimeFigureOut">
               <a:rPr lang="en-US" smtClean="0"/>
-              <a:t>12/6/21</a:t>
+              <a:t>12/7/21</a:t>
             </a:fld>
             <a:endParaRPr lang="en-US"/>
           </a:p>
@@ -2312,7 +2312,7 @@
           <a:p>
             <a:fld id="{D1D074E6-BC95-7A40-8145-5D6390B81855}" type="datetimeFigureOut">
               <a:rPr lang="en-US" smtClean="0"/>
-              <a:t>12/6/21</a:t>
+              <a:t>12/7/21</a:t>
             </a:fld>
             <a:endParaRPr lang="en-US"/>
           </a:p>
@@ -2724,7 +2724,7 @@
           <a:p>
             <a:fld id="{D1D074E6-BC95-7A40-8145-5D6390B81855}" type="datetimeFigureOut">
               <a:rPr lang="en-US" smtClean="0"/>
-              <a:t>12/6/21</a:t>
+              <a:t>12/7/21</a:t>
             </a:fld>
             <a:endParaRPr lang="en-US"/>
           </a:p>
@@ -2865,7 +2865,7 @@
           <a:p>
             <a:fld id="{D1D074E6-BC95-7A40-8145-5D6390B81855}" type="datetimeFigureOut">
               <a:rPr lang="en-US" smtClean="0"/>
-              <a:t>12/6/21</a:t>
+              <a:t>12/7/21</a:t>
             </a:fld>
             <a:endParaRPr lang="en-US"/>
           </a:p>
@@ -2978,7 +2978,7 @@
           <a:p>
             <a:fld id="{D1D074E6-BC95-7A40-8145-5D6390B81855}" type="datetimeFigureOut">
               <a:rPr lang="en-US" smtClean="0"/>
-              <a:t>12/6/21</a:t>
+              <a:t>12/7/21</a:t>
             </a:fld>
             <a:endParaRPr lang="en-US"/>
           </a:p>
@@ -3289,7 +3289,7 @@
           <a:p>
             <a:fld id="{D1D074E6-BC95-7A40-8145-5D6390B81855}" type="datetimeFigureOut">
               <a:rPr lang="en-US" smtClean="0"/>
-              <a:t>12/6/21</a:t>
+              <a:t>12/7/21</a:t>
             </a:fld>
             <a:endParaRPr lang="en-US"/>
           </a:p>
@@ -3577,7 +3577,7 @@
           <a:p>
             <a:fld id="{D1D074E6-BC95-7A40-8145-5D6390B81855}" type="datetimeFigureOut">
               <a:rPr lang="en-US" smtClean="0"/>
-              <a:t>12/6/21</a:t>
+              <a:t>12/7/21</a:t>
             </a:fld>
             <a:endParaRPr lang="en-US"/>
           </a:p>
@@ -3818,7 +3818,7 @@
           <a:p>
             <a:fld id="{D1D074E6-BC95-7A40-8145-5D6390B81855}" type="datetimeFigureOut">
               <a:rPr lang="en-US" smtClean="0"/>
-              <a:t>12/6/21</a:t>
+              <a:t>12/7/21</a:t>
             </a:fld>
             <a:endParaRPr lang="en-US"/>
           </a:p>
